--- a/deep.pptx
+++ b/deep.pptx
@@ -306,7 +306,7 @@
           <a:p>
             <a:fld id="{8071C12C-9FCF-4364-9609-66B32730A941}" type="datetimeFigureOut">
               <a:rPr lang="en-US" smtClean="0"/>
-              <a:t>3/23/2019</a:t>
+              <a:t>3/29/2019</a:t>
             </a:fld>
             <a:endParaRPr lang="en-US"/>
           </a:p>
@@ -534,7 +534,7 @@
           <a:p>
             <a:fld id="{8071C12C-9FCF-4364-9609-66B32730A941}" type="datetimeFigureOut">
               <a:rPr lang="en-US" smtClean="0"/>
-              <a:t>3/23/2019</a:t>
+              <a:t>3/29/2019</a:t>
             </a:fld>
             <a:endParaRPr lang="en-US"/>
           </a:p>
@@ -714,7 +714,7 @@
           <a:p>
             <a:fld id="{8071C12C-9FCF-4364-9609-66B32730A941}" type="datetimeFigureOut">
               <a:rPr lang="en-US" smtClean="0"/>
-              <a:t>3/23/2019</a:t>
+              <a:t>3/29/2019</a:t>
             </a:fld>
             <a:endParaRPr lang="en-US"/>
           </a:p>
@@ -884,7 +884,7 @@
           <a:p>
             <a:fld id="{8071C12C-9FCF-4364-9609-66B32730A941}" type="datetimeFigureOut">
               <a:rPr lang="en-US" smtClean="0"/>
-              <a:t>3/23/2019</a:t>
+              <a:t>3/29/2019</a:t>
             </a:fld>
             <a:endParaRPr lang="en-US"/>
           </a:p>
@@ -1138,7 +1138,7 @@
           <a:p>
             <a:fld id="{8071C12C-9FCF-4364-9609-66B32730A941}" type="datetimeFigureOut">
               <a:rPr lang="en-US" smtClean="0"/>
-              <a:t>3/23/2019</a:t>
+              <a:t>3/29/2019</a:t>
             </a:fld>
             <a:endParaRPr lang="en-US"/>
           </a:p>
@@ -1464,7 +1464,7 @@
           <a:p>
             <a:fld id="{8071C12C-9FCF-4364-9609-66B32730A941}" type="datetimeFigureOut">
               <a:rPr lang="en-US" smtClean="0"/>
-              <a:t>3/23/2019</a:t>
+              <a:t>3/29/2019</a:t>
             </a:fld>
             <a:endParaRPr lang="en-US"/>
           </a:p>
@@ -1915,7 +1915,7 @@
           <a:p>
             <a:fld id="{8071C12C-9FCF-4364-9609-66B32730A941}" type="datetimeFigureOut">
               <a:rPr lang="en-US" smtClean="0"/>
-              <a:t>3/23/2019</a:t>
+              <a:t>3/29/2019</a:t>
             </a:fld>
             <a:endParaRPr lang="en-US"/>
           </a:p>
@@ -2033,7 +2033,7 @@
           <a:p>
             <a:fld id="{8071C12C-9FCF-4364-9609-66B32730A941}" type="datetimeFigureOut">
               <a:rPr lang="en-US" smtClean="0"/>
-              <a:t>3/23/2019</a:t>
+              <a:t>3/29/2019</a:t>
             </a:fld>
             <a:endParaRPr lang="en-US"/>
           </a:p>
@@ -2128,7 +2128,7 @@
           <a:p>
             <a:fld id="{8071C12C-9FCF-4364-9609-66B32730A941}" type="datetimeFigureOut">
               <a:rPr lang="en-US" smtClean="0"/>
-              <a:t>3/23/2019</a:t>
+              <a:t>3/29/2019</a:t>
             </a:fld>
             <a:endParaRPr lang="en-US"/>
           </a:p>
@@ -2415,7 +2415,7 @@
           <a:p>
             <a:fld id="{8071C12C-9FCF-4364-9609-66B32730A941}" type="datetimeFigureOut">
               <a:rPr lang="en-US" smtClean="0"/>
-              <a:t>3/23/2019</a:t>
+              <a:t>3/29/2019</a:t>
             </a:fld>
             <a:endParaRPr lang="en-US"/>
           </a:p>
@@ -2737,7 +2737,7 @@
           <a:p>
             <a:fld id="{8071C12C-9FCF-4364-9609-66B32730A941}" type="datetimeFigureOut">
               <a:rPr lang="en-US" smtClean="0"/>
-              <a:t>3/23/2019</a:t>
+              <a:t>3/29/2019</a:t>
             </a:fld>
             <a:endParaRPr lang="en-US"/>
           </a:p>
@@ -2991,7 +2991,7 @@
           <a:p>
             <a:fld id="{8071C12C-9FCF-4364-9609-66B32730A941}" type="datetimeFigureOut">
               <a:rPr lang="en-US" smtClean="0"/>
-              <a:t>3/23/2019</a:t>
+              <a:t>3/29/2019</a:t>
             </a:fld>
             <a:endParaRPr lang="en-US"/>
           </a:p>
